--- a/2 Presentations/PNOM 2019 Disease Mem.pptx
+++ b/2 Presentations/PNOM 2019 Disease Mem.pptx
@@ -291,7 +291,7 @@
               <a:pPr>
                 <a:defRPr/>
               </a:pPr>
-              <a:t>10/22/2019</a:t>
+              <a:t>10/24/2019</a:t>
             </a:fld>
             <a:endParaRPr lang="en-US"/>
           </a:p>
@@ -513,7 +513,7 @@
               <a:pPr>
                 <a:defRPr/>
               </a:pPr>
-              <a:t>10/22/2019</a:t>
+              <a:t>10/24/2019</a:t>
             </a:fld>
             <a:endParaRPr lang="en-US"/>
           </a:p>
@@ -3657,23 +3657,7 @@
                   <a:srgbClr val="000090"/>
                 </a:solidFill>
               </a:rPr>
-              <a:t>0.81(0.19</a:t>
-            </a:r>
-            <a:r>
-              <a:rPr lang="en-US" sz="3200">
-                <a:solidFill>
-                  <a:srgbClr val="000090"/>
-                </a:solidFill>
-              </a:rPr>
-              <a:t>)       0.79(0.20)       </a:t>
-            </a:r>
-            <a:r>
-              <a:rPr lang="en-US" sz="3200" dirty="0">
-                <a:solidFill>
-                  <a:srgbClr val="000090"/>
-                </a:solidFill>
-              </a:rPr>
-              <a:t>0.80(0.17)</a:t>
+              <a:t>0.81(0.19)       0.79(0.20)       0.80(0.17)</a:t>
             </a:r>
             <a:endParaRPr lang="en-US" sz="4400" i="1" dirty="0">
               <a:solidFill>
@@ -4418,7 +4402,7 @@
           <a:bodyPr lIns="369484" tIns="184741" rIns="369484" bIns="184741" anchor="ctr"/>
           <a:lstStyle/>
           <a:p>
-            <a:pPr algn="ctr" defTabSz="3694113">
+            <a:pPr defTabSz="3694113">
               <a:defRPr/>
             </a:pPr>
             <a:r>
